--- a/presentacion12.pptx
+++ b/presentacion12.pptx
@@ -4243,6 +4243,18 @@
   <p:clrMapOvr>
     <a:masterClrMapping/>
   </p:clrMapOvr>
+  <mc:AlternateContent xmlns:mc="http://schemas.openxmlformats.org/markup-compatibility/2006">
+    <mc:Choice xmlns:p14="http://schemas.microsoft.com/office/powerpoint/2010/main" Requires="p14">
+      <p:transition spd="med" p14:dur="700">
+        <p:fade/>
+      </p:transition>
+    </mc:Choice>
+    <mc:Fallback>
+      <p:transition spd="med">
+        <p:fade/>
+      </p:transition>
+    </mc:Fallback>
+  </mc:AlternateContent>
 </p:sld>
 </file>
 
@@ -4624,13 +4636,609 @@
             </a:lvl9pPr>
           </a:lstStyle>
           <a:p>
-            <a:r>
-              <a:rPr lang="es-ES" dirty="0"/>
-              <a:t>Creamos un tráfico real en la red y realizamos  diferentes simulaciones aplicando distintos tamaños de cola y diferentes retardos en el canal punto a punto.</a:t>
-            </a:r>
-          </a:p>
-        </p:txBody>
-      </p:sp>
+            <a:endParaRPr lang="es-ES" dirty="0"/>
+          </a:p>
+        </p:txBody>
+      </p:sp>
+      <p:graphicFrame>
+        <p:nvGraphicFramePr>
+          <p:cNvPr id="8" name="Tabla 7"/>
+          <p:cNvGraphicFramePr>
+            <a:graphicFrameLocks noGrp="1"/>
+          </p:cNvGraphicFramePr>
+          <p:nvPr>
+            <p:extLst>
+              <p:ext uri="{D42A27DB-BD31-4B8C-83A1-F6EECF244321}">
+                <p14:modId xmlns:p14="http://schemas.microsoft.com/office/powerpoint/2010/main" val="4147040257"/>
+              </p:ext>
+            </p:extLst>
+          </p:nvPr>
+        </p:nvGraphicFramePr>
+        <p:xfrm>
+          <a:off x="3390111" y="2617666"/>
+          <a:ext cx="5040824" cy="2360935"/>
+        </p:xfrm>
+        <a:graphic>
+          <a:graphicData uri="http://schemas.openxmlformats.org/drawingml/2006/table">
+            <a:tbl>
+              <a:tblPr firstRow="1" firstCol="1" bandRow="1">
+                <a:tableStyleId>{5C22544A-7EE6-4342-B048-85BDC9FD1C3A}</a:tableStyleId>
+              </a:tblPr>
+              <a:tblGrid>
+                <a:gridCol w="1266523">
+                  <a:extLst>
+                    <a:ext uri="{9D8B030D-6E8A-4147-A177-3AD203B41FA5}">
+                      <a16:colId xmlns:a16="http://schemas.microsoft.com/office/drawing/2014/main" val="3718611680"/>
+                    </a:ext>
+                  </a:extLst>
+                </a:gridCol>
+                <a:gridCol w="1361801">
+                  <a:extLst>
+                    <a:ext uri="{9D8B030D-6E8A-4147-A177-3AD203B41FA5}">
+                      <a16:colId xmlns:a16="http://schemas.microsoft.com/office/drawing/2014/main" val="892523437"/>
+                    </a:ext>
+                  </a:extLst>
+                </a:gridCol>
+                <a:gridCol w="1288632">
+                  <a:extLst>
+                    <a:ext uri="{9D8B030D-6E8A-4147-A177-3AD203B41FA5}">
+                      <a16:colId xmlns:a16="http://schemas.microsoft.com/office/drawing/2014/main" val="715461933"/>
+                    </a:ext>
+                  </a:extLst>
+                </a:gridCol>
+                <a:gridCol w="1123868">
+                  <a:extLst>
+                    <a:ext uri="{9D8B030D-6E8A-4147-A177-3AD203B41FA5}">
+                      <a16:colId xmlns:a16="http://schemas.microsoft.com/office/drawing/2014/main" val="1365195669"/>
+                    </a:ext>
+                  </a:extLst>
+                </a:gridCol>
+              </a:tblGrid>
+              <a:tr h="1023968">
+                <a:tc>
+                  <a:txBody>
+                    <a:bodyPr/>
+                    <a:lstStyle/>
+                    <a:p>
+                      <a:pPr>
+                        <a:lnSpc>
+                          <a:spcPct val="107000"/>
+                        </a:lnSpc>
+                        <a:spcAft>
+                          <a:spcPts val="0"/>
+                        </a:spcAft>
+                      </a:pPr>
+                      <a:r>
+                        <a:rPr lang="es-ES" sz="1400">
+                          <a:effectLst/>
+                        </a:rPr>
+                        <a:t>Tráfico</a:t>
+                      </a:r>
+                      <a:endParaRPr lang="es-ES" sz="1400">
+                        <a:effectLst/>
+                        <a:latin typeface="Calibri" panose="020F0502020204030204" pitchFamily="34" charset="0"/>
+                        <a:ea typeface="SimSun" panose="02010600030101010101" pitchFamily="2" charset="-122"/>
+                        <a:cs typeface="Arial" panose="020B0604020202020204" pitchFamily="34" charset="0"/>
+                      </a:endParaRPr>
+                    </a:p>
+                  </a:txBody>
+                  <a:tcPr marL="68580" marR="68580" marT="0" marB="0"/>
+                </a:tc>
+                <a:tc>
+                  <a:txBody>
+                    <a:bodyPr/>
+                    <a:lstStyle/>
+                    <a:p>
+                      <a:pPr>
+                        <a:lnSpc>
+                          <a:spcPct val="107000"/>
+                        </a:lnSpc>
+                        <a:spcAft>
+                          <a:spcPts val="0"/>
+                        </a:spcAft>
+                      </a:pPr>
+                      <a:r>
+                        <a:rPr lang="es-ES" sz="1400">
+                          <a:effectLst/>
+                        </a:rPr>
+                        <a:t>Nombre de la categoría de prioridades</a:t>
+                      </a:r>
+                      <a:endParaRPr lang="es-ES" sz="1400">
+                        <a:effectLst/>
+                        <a:latin typeface="Calibri" panose="020F0502020204030204" pitchFamily="34" charset="0"/>
+                        <a:ea typeface="SimSun" panose="02010600030101010101" pitchFamily="2" charset="-122"/>
+                        <a:cs typeface="Arial" panose="020B0604020202020204" pitchFamily="34" charset="0"/>
+                      </a:endParaRPr>
+                    </a:p>
+                  </a:txBody>
+                  <a:tcPr marL="68580" marR="68580" marT="0" marB="0"/>
+                </a:tc>
+                <a:tc>
+                  <a:txBody>
+                    <a:bodyPr/>
+                    <a:lstStyle/>
+                    <a:p>
+                      <a:pPr>
+                        <a:lnSpc>
+                          <a:spcPct val="107000"/>
+                        </a:lnSpc>
+                        <a:spcAft>
+                          <a:spcPts val="0"/>
+                        </a:spcAft>
+                      </a:pPr>
+                      <a:r>
+                        <a:rPr lang="es-ES" sz="1400">
+                          <a:effectLst/>
+                        </a:rPr>
+                        <a:t>ToS (Type of Service)</a:t>
+                      </a:r>
+                      <a:endParaRPr lang="es-ES" sz="1400">
+                        <a:effectLst/>
+                        <a:latin typeface="Calibri" panose="020F0502020204030204" pitchFamily="34" charset="0"/>
+                        <a:ea typeface="SimSun" panose="02010600030101010101" pitchFamily="2" charset="-122"/>
+                        <a:cs typeface="Arial" panose="020B0604020202020204" pitchFamily="34" charset="0"/>
+                      </a:endParaRPr>
+                    </a:p>
+                  </a:txBody>
+                  <a:tcPr marL="68580" marR="68580" marT="0" marB="0"/>
+                </a:tc>
+                <a:tc>
+                  <a:txBody>
+                    <a:bodyPr/>
+                    <a:lstStyle/>
+                    <a:p>
+                      <a:pPr>
+                        <a:lnSpc>
+                          <a:spcPct val="107000"/>
+                        </a:lnSpc>
+                        <a:spcAft>
+                          <a:spcPts val="0"/>
+                        </a:spcAft>
+                      </a:pPr>
+                      <a:r>
+                        <a:rPr lang="es-ES" sz="1400">
+                          <a:effectLst/>
+                        </a:rPr>
+                        <a:t>DSCP</a:t>
+                      </a:r>
+                      <a:endParaRPr lang="es-ES" sz="1400">
+                        <a:effectLst/>
+                        <a:latin typeface="Calibri" panose="020F0502020204030204" pitchFamily="34" charset="0"/>
+                        <a:ea typeface="SimSun" panose="02010600030101010101" pitchFamily="2" charset="-122"/>
+                        <a:cs typeface="Arial" panose="020B0604020202020204" pitchFamily="34" charset="0"/>
+                      </a:endParaRPr>
+                    </a:p>
+                  </a:txBody>
+                  <a:tcPr marL="68580" marR="68580" marT="0" marB="0"/>
+                </a:tc>
+                <a:extLst>
+                  <a:ext uri="{0D108BD9-81ED-4DB2-BD59-A6C34878D82A}">
+                    <a16:rowId xmlns:a16="http://schemas.microsoft.com/office/drawing/2014/main" val="4080200008"/>
+                  </a:ext>
+                </a:extLst>
+              </a:tr>
+              <a:tr h="603338">
+                <a:tc>
+                  <a:txBody>
+                    <a:bodyPr/>
+                    <a:lstStyle/>
+                    <a:p>
+                      <a:pPr marL="457200" indent="-457200">
+                        <a:lnSpc>
+                          <a:spcPct val="107000"/>
+                        </a:lnSpc>
+                        <a:spcBef>
+                          <a:spcPts val="1000"/>
+                        </a:spcBef>
+                        <a:spcAft>
+                          <a:spcPts val="0"/>
+                        </a:spcAft>
+                      </a:pPr>
+                      <a:r>
+                        <a:rPr lang="es-ES" sz="1100">
+                          <a:effectLst/>
+                        </a:rPr>
+                        <a:t>VozIP</a:t>
+                      </a:r>
+                      <a:endParaRPr lang="es-ES" sz="1100" b="1">
+                        <a:solidFill>
+                          <a:srgbClr val="000000"/>
+                        </a:solidFill>
+                        <a:effectLst/>
+                        <a:latin typeface="Calibri" panose="020F0502020204030204" pitchFamily="34" charset="0"/>
+                        <a:ea typeface="SimSun" panose="02010600030101010101" pitchFamily="2" charset="-122"/>
+                        <a:cs typeface="Arial" panose="020B0604020202020204" pitchFamily="34" charset="0"/>
+                      </a:endParaRPr>
+                    </a:p>
+                  </a:txBody>
+                  <a:tcPr marL="68580" marR="68580" marT="0" marB="0"/>
+                </a:tc>
+                <a:tc>
+                  <a:txBody>
+                    <a:bodyPr/>
+                    <a:lstStyle/>
+                    <a:p>
+                      <a:pPr marL="0" indent="-457200" algn="l" defTabSz="914400" rtl="0" eaLnBrk="1" latinLnBrk="0" hangingPunct="1">
+                        <a:lnSpc>
+                          <a:spcPct val="107000"/>
+                        </a:lnSpc>
+                        <a:spcBef>
+                          <a:spcPts val="1000"/>
+                        </a:spcBef>
+                        <a:spcAft>
+                          <a:spcPts val="0"/>
+                        </a:spcAft>
+                      </a:pPr>
+                      <a:r>
+                        <a:rPr lang="es-ES" sz="1400" kern="1200" dirty="0" err="1">
+                          <a:solidFill>
+                            <a:schemeClr val="dk1"/>
+                          </a:solidFill>
+                          <a:effectLst/>
+                          <a:latin typeface="+mn-lt"/>
+                          <a:ea typeface="+mn-ea"/>
+                          <a:cs typeface="+mn-cs"/>
+                        </a:rPr>
+                        <a:t>Interactive</a:t>
+                      </a:r>
+                      <a:r>
+                        <a:rPr lang="es-ES" sz="1400" kern="1200" dirty="0">
+                          <a:solidFill>
+                            <a:schemeClr val="dk1"/>
+                          </a:solidFill>
+                          <a:effectLst/>
+                          <a:latin typeface="+mn-lt"/>
+                          <a:ea typeface="+mn-ea"/>
+                          <a:cs typeface="+mn-cs"/>
+                        </a:rPr>
+                        <a:t> Video</a:t>
+                      </a:r>
+                    </a:p>
+                    <a:p>
+                      <a:pPr>
+                        <a:lnSpc>
+                          <a:spcPct val="107000"/>
+                        </a:lnSpc>
+                        <a:spcAft>
+                          <a:spcPts val="0"/>
+                        </a:spcAft>
+                      </a:pPr>
+                      <a:r>
+                        <a:rPr lang="es-ES" sz="1400" dirty="0">
+                          <a:effectLst/>
+                        </a:rPr>
+                        <a:t> </a:t>
+                      </a:r>
+                      <a:endParaRPr lang="es-ES" sz="1400" dirty="0">
+                        <a:effectLst/>
+                        <a:latin typeface="Calibri" panose="020F0502020204030204" pitchFamily="34" charset="0"/>
+                        <a:ea typeface="SimSun" panose="02010600030101010101" pitchFamily="2" charset="-122"/>
+                        <a:cs typeface="Arial" panose="020B0604020202020204" pitchFamily="34" charset="0"/>
+                      </a:endParaRPr>
+                    </a:p>
+                  </a:txBody>
+                  <a:tcPr marL="68580" marR="68580" marT="0" marB="0"/>
+                </a:tc>
+                <a:tc>
+                  <a:txBody>
+                    <a:bodyPr/>
+                    <a:lstStyle/>
+                    <a:p>
+                      <a:pPr>
+                        <a:lnSpc>
+                          <a:spcPct val="107000"/>
+                        </a:lnSpc>
+                        <a:spcAft>
+                          <a:spcPts val="0"/>
+                        </a:spcAft>
+                      </a:pPr>
+                      <a:r>
+                        <a:rPr lang="es-ES" sz="1400">
+                          <a:effectLst/>
+                        </a:rPr>
+                        <a:t>184</a:t>
+                      </a:r>
+                      <a:endParaRPr lang="es-ES" sz="1400">
+                        <a:effectLst/>
+                        <a:latin typeface="Calibri" panose="020F0502020204030204" pitchFamily="34" charset="0"/>
+                        <a:ea typeface="SimSun" panose="02010600030101010101" pitchFamily="2" charset="-122"/>
+                        <a:cs typeface="Arial" panose="020B0604020202020204" pitchFamily="34" charset="0"/>
+                      </a:endParaRPr>
+                    </a:p>
+                  </a:txBody>
+                  <a:tcPr marL="68580" marR="68580" marT="0" marB="0"/>
+                </a:tc>
+                <a:tc>
+                  <a:txBody>
+                    <a:bodyPr/>
+                    <a:lstStyle/>
+                    <a:p>
+                      <a:pPr>
+                        <a:lnSpc>
+                          <a:spcPct val="107000"/>
+                        </a:lnSpc>
+                        <a:spcAft>
+                          <a:spcPts val="0"/>
+                        </a:spcAft>
+                      </a:pPr>
+                      <a:r>
+                        <a:rPr lang="es-ES" sz="1400">
+                          <a:effectLst/>
+                        </a:rPr>
+                        <a:t>46</a:t>
+                      </a:r>
+                      <a:endParaRPr lang="es-ES" sz="1400">
+                        <a:effectLst/>
+                        <a:latin typeface="Calibri" panose="020F0502020204030204" pitchFamily="34" charset="0"/>
+                        <a:ea typeface="SimSun" panose="02010600030101010101" pitchFamily="2" charset="-122"/>
+                        <a:cs typeface="Arial" panose="020B0604020202020204" pitchFamily="34" charset="0"/>
+                      </a:endParaRPr>
+                    </a:p>
+                  </a:txBody>
+                  <a:tcPr marL="68580" marR="68580" marT="0" marB="0"/>
+                </a:tc>
+                <a:extLst>
+                  <a:ext uri="{0D108BD9-81ED-4DB2-BD59-A6C34878D82A}">
+                    <a16:rowId xmlns:a16="http://schemas.microsoft.com/office/drawing/2014/main" val="1141031084"/>
+                  </a:ext>
+                </a:extLst>
+              </a:tr>
+              <a:tr h="331108">
+                <a:tc>
+                  <a:txBody>
+                    <a:bodyPr/>
+                    <a:lstStyle/>
+                    <a:p>
+                      <a:pPr>
+                        <a:lnSpc>
+                          <a:spcPct val="107000"/>
+                        </a:lnSpc>
+                        <a:spcAft>
+                          <a:spcPts val="0"/>
+                        </a:spcAft>
+                      </a:pPr>
+                      <a:r>
+                        <a:rPr lang="es-ES" sz="1400">
+                          <a:effectLst/>
+                        </a:rPr>
+                        <a:t>FTP</a:t>
+                      </a:r>
+                      <a:endParaRPr lang="es-ES" sz="1400">
+                        <a:effectLst/>
+                        <a:latin typeface="Calibri" panose="020F0502020204030204" pitchFamily="34" charset="0"/>
+                        <a:ea typeface="SimSun" panose="02010600030101010101" pitchFamily="2" charset="-122"/>
+                        <a:cs typeface="Arial" panose="020B0604020202020204" pitchFamily="34" charset="0"/>
+                      </a:endParaRPr>
+                    </a:p>
+                  </a:txBody>
+                  <a:tcPr marL="68580" marR="68580" marT="0" marB="0"/>
+                </a:tc>
+                <a:tc>
+                  <a:txBody>
+                    <a:bodyPr/>
+                    <a:lstStyle/>
+                    <a:p>
+                      <a:pPr>
+                        <a:lnSpc>
+                          <a:spcPct val="107000"/>
+                        </a:lnSpc>
+                        <a:spcAft>
+                          <a:spcPts val="0"/>
+                        </a:spcAft>
+                      </a:pPr>
+                      <a:r>
+                        <a:rPr lang="es-ES" sz="1400" dirty="0" err="1">
+                          <a:effectLst/>
+                        </a:rPr>
+                        <a:t>Bulk</a:t>
+                      </a:r>
+                      <a:r>
+                        <a:rPr lang="es-ES" sz="1400" dirty="0">
+                          <a:effectLst/>
+                        </a:rPr>
+                        <a:t> Data</a:t>
+                      </a:r>
+                      <a:endParaRPr lang="es-ES" sz="1400" dirty="0">
+                        <a:effectLst/>
+                        <a:latin typeface="Calibri" panose="020F0502020204030204" pitchFamily="34" charset="0"/>
+                        <a:ea typeface="SimSun" panose="02010600030101010101" pitchFamily="2" charset="-122"/>
+                        <a:cs typeface="Arial" panose="020B0604020202020204" pitchFamily="34" charset="0"/>
+                      </a:endParaRPr>
+                    </a:p>
+                  </a:txBody>
+                  <a:tcPr marL="68580" marR="68580" marT="0" marB="0"/>
+                </a:tc>
+                <a:tc>
+                  <a:txBody>
+                    <a:bodyPr/>
+                    <a:lstStyle/>
+                    <a:p>
+                      <a:pPr>
+                        <a:lnSpc>
+                          <a:spcPct val="107000"/>
+                        </a:lnSpc>
+                        <a:spcAft>
+                          <a:spcPts val="0"/>
+                        </a:spcAft>
+                      </a:pPr>
+                      <a:r>
+                        <a:rPr lang="es-ES" sz="1400">
+                          <a:effectLst/>
+                        </a:rPr>
+                        <a:t>40</a:t>
+                      </a:r>
+                      <a:endParaRPr lang="es-ES" sz="1400">
+                        <a:effectLst/>
+                        <a:latin typeface="Calibri" panose="020F0502020204030204" pitchFamily="34" charset="0"/>
+                        <a:ea typeface="SimSun" panose="02010600030101010101" pitchFamily="2" charset="-122"/>
+                        <a:cs typeface="Arial" panose="020B0604020202020204" pitchFamily="34" charset="0"/>
+                      </a:endParaRPr>
+                    </a:p>
+                  </a:txBody>
+                  <a:tcPr marL="68580" marR="68580" marT="0" marB="0"/>
+                </a:tc>
+                <a:tc>
+                  <a:txBody>
+                    <a:bodyPr/>
+                    <a:lstStyle/>
+                    <a:p>
+                      <a:pPr>
+                        <a:lnSpc>
+                          <a:spcPct val="107000"/>
+                        </a:lnSpc>
+                        <a:spcAft>
+                          <a:spcPts val="0"/>
+                        </a:spcAft>
+                      </a:pPr>
+                      <a:r>
+                        <a:rPr lang="es-ES" sz="1400">
+                          <a:effectLst/>
+                        </a:rPr>
+                        <a:t>10</a:t>
+                      </a:r>
+                      <a:endParaRPr lang="es-ES" sz="1400">
+                        <a:effectLst/>
+                        <a:latin typeface="Calibri" panose="020F0502020204030204" pitchFamily="34" charset="0"/>
+                        <a:ea typeface="SimSun" panose="02010600030101010101" pitchFamily="2" charset="-122"/>
+                        <a:cs typeface="Arial" panose="020B0604020202020204" pitchFamily="34" charset="0"/>
+                      </a:endParaRPr>
+                    </a:p>
+                  </a:txBody>
+                  <a:tcPr marL="68580" marR="68580" marT="0" marB="0"/>
+                </a:tc>
+                <a:extLst>
+                  <a:ext uri="{0D108BD9-81ED-4DB2-BD59-A6C34878D82A}">
+                    <a16:rowId xmlns:a16="http://schemas.microsoft.com/office/drawing/2014/main" val="3116899240"/>
+                  </a:ext>
+                </a:extLst>
+              </a:tr>
+              <a:tr h="331108">
+                <a:tc>
+                  <a:txBody>
+                    <a:bodyPr/>
+                    <a:lstStyle/>
+                    <a:p>
+                      <a:pPr>
+                        <a:lnSpc>
+                          <a:spcPct val="107000"/>
+                        </a:lnSpc>
+                        <a:spcAft>
+                          <a:spcPts val="0"/>
+                        </a:spcAft>
+                      </a:pPr>
+                      <a:r>
+                        <a:rPr lang="es-ES" sz="1400">
+                          <a:effectLst/>
+                        </a:rPr>
+                        <a:t>HTTP</a:t>
+                      </a:r>
+                      <a:endParaRPr lang="es-ES" sz="1400">
+                        <a:effectLst/>
+                        <a:latin typeface="Calibri" panose="020F0502020204030204" pitchFamily="34" charset="0"/>
+                        <a:ea typeface="SimSun" panose="02010600030101010101" pitchFamily="2" charset="-122"/>
+                        <a:cs typeface="Arial" panose="020B0604020202020204" pitchFamily="34" charset="0"/>
+                      </a:endParaRPr>
+                    </a:p>
+                  </a:txBody>
+                  <a:tcPr marL="68580" marR="68580" marT="0" marB="0"/>
+                </a:tc>
+                <a:tc>
+                  <a:txBody>
+                    <a:bodyPr/>
+                    <a:lstStyle/>
+                    <a:p>
+                      <a:pPr>
+                        <a:lnSpc>
+                          <a:spcPct val="107000"/>
+                        </a:lnSpc>
+                        <a:spcAft>
+                          <a:spcPts val="0"/>
+                        </a:spcAft>
+                      </a:pPr>
+                      <a:r>
+                        <a:rPr lang="es-ES" sz="1400">
+                          <a:effectLst/>
+                        </a:rPr>
+                        <a:t>Best Effort</a:t>
+                      </a:r>
+                      <a:endParaRPr lang="es-ES" sz="1400">
+                        <a:effectLst/>
+                        <a:latin typeface="Calibri" panose="020F0502020204030204" pitchFamily="34" charset="0"/>
+                        <a:ea typeface="SimSun" panose="02010600030101010101" pitchFamily="2" charset="-122"/>
+                        <a:cs typeface="Arial" panose="020B0604020202020204" pitchFamily="34" charset="0"/>
+                      </a:endParaRPr>
+                    </a:p>
+                  </a:txBody>
+                  <a:tcPr marL="68580" marR="68580" marT="0" marB="0"/>
+                </a:tc>
+                <a:tc>
+                  <a:txBody>
+                    <a:bodyPr/>
+                    <a:lstStyle/>
+                    <a:p>
+                      <a:pPr>
+                        <a:lnSpc>
+                          <a:spcPct val="107000"/>
+                        </a:lnSpc>
+                        <a:spcAft>
+                          <a:spcPts val="0"/>
+                        </a:spcAft>
+                      </a:pPr>
+                      <a:r>
+                        <a:rPr lang="es-ES" sz="1400">
+                          <a:effectLst/>
+                        </a:rPr>
+                        <a:t>0</a:t>
+                      </a:r>
+                      <a:endParaRPr lang="es-ES" sz="1400">
+                        <a:effectLst/>
+                        <a:latin typeface="Calibri" panose="020F0502020204030204" pitchFamily="34" charset="0"/>
+                        <a:ea typeface="SimSun" panose="02010600030101010101" pitchFamily="2" charset="-122"/>
+                        <a:cs typeface="Arial" panose="020B0604020202020204" pitchFamily="34" charset="0"/>
+                      </a:endParaRPr>
+                    </a:p>
+                  </a:txBody>
+                  <a:tcPr marL="68580" marR="68580" marT="0" marB="0"/>
+                </a:tc>
+                <a:tc>
+                  <a:txBody>
+                    <a:bodyPr/>
+                    <a:lstStyle/>
+                    <a:p>
+                      <a:pPr>
+                        <a:lnSpc>
+                          <a:spcPct val="107000"/>
+                        </a:lnSpc>
+                        <a:spcAft>
+                          <a:spcPts val="0"/>
+                        </a:spcAft>
+                      </a:pPr>
+                      <a:r>
+                        <a:rPr lang="es-ES" sz="1400" dirty="0">
+                          <a:effectLst/>
+                        </a:rPr>
+                        <a:t>0</a:t>
+                      </a:r>
+                      <a:endParaRPr lang="es-ES" sz="1400" dirty="0">
+                        <a:effectLst/>
+                        <a:latin typeface="Calibri" panose="020F0502020204030204" pitchFamily="34" charset="0"/>
+                        <a:ea typeface="SimSun" panose="02010600030101010101" pitchFamily="2" charset="-122"/>
+                        <a:cs typeface="Arial" panose="020B0604020202020204" pitchFamily="34" charset="0"/>
+                      </a:endParaRPr>
+                    </a:p>
+                  </a:txBody>
+                  <a:tcPr marL="68580" marR="68580" marT="0" marB="0"/>
+                </a:tc>
+                <a:extLst>
+                  <a:ext uri="{0D108BD9-81ED-4DB2-BD59-A6C34878D82A}">
+                    <a16:rowId xmlns:a16="http://schemas.microsoft.com/office/drawing/2014/main" val="547111778"/>
+                  </a:ext>
+                </a:extLst>
+              </a:tr>
+            </a:tbl>
+          </a:graphicData>
+        </a:graphic>
+      </p:graphicFrame>
     </p:spTree>
     <p:extLst>
       <p:ext uri="{BB962C8B-B14F-4D97-AF65-F5344CB8AC3E}">
@@ -5244,32 +5852,44 @@
             <a:endParaRPr lang="es-ES" dirty="0"/>
           </a:p>
           <a:p>
-            <a:pPr marL="0" indent="0">
-              <a:buNone/>
+            <a:endParaRPr lang="es-ES" dirty="0"/>
+          </a:p>
+        </p:txBody>
+      </p:sp>
+      <p:sp>
+        <p:nvSpPr>
+          <p:cNvPr id="4" name="CuadroTexto 3"/>
+          <p:cNvSpPr txBox="1"/>
+          <p:nvPr/>
+        </p:nvSpPr>
+        <p:spPr>
+          <a:xfrm>
+            <a:off x="1048624" y="2256639"/>
+            <a:ext cx="7318136" cy="646331"/>
+          </a:xfrm>
+          <a:prstGeom prst="rect">
+            <a:avLst/>
+          </a:prstGeom>
+          <a:noFill/>
+        </p:spPr>
+        <p:txBody>
+          <a:bodyPr wrap="square" rtlCol="0">
+            <a:spAutoFit/>
+          </a:bodyPr>
+          <a:lstStyle/>
+          <a:p>
+            <a:pPr marL="285750" indent="-285750">
+              <a:buFont typeface="Arial" panose="020B0604020202020204" pitchFamily="34" charset="0"/>
+              <a:buChar char="•"/>
             </a:pPr>
             <a:r>
               <a:rPr lang="es-ES" dirty="0"/>
-              <a:t>Hemos llegado a la conclusión de que podemos llegar a tener un determinado retardo en el canal sin que afecte demasiado al </a:t>
+              <a:t>El tamaño de cola debe ser suficientemente grande para que el tráfico prioritario no </a:t>
             </a:r>
             <a:r>
               <a:rPr lang="es-ES" dirty="0" err="1"/>
-              <a:t>QoS</a:t>
-            </a:r>
-            <a:r>
-              <a:rPr lang="es-ES" dirty="0"/>
-              <a:t>.</a:t>
-            </a:r>
-          </a:p>
-          <a:p>
-            <a:pPr marL="0" indent="0">
-              <a:buNone/>
-            </a:pPr>
-            <a:r>
-              <a:rPr lang="es-ES" dirty="0"/>
-              <a:t>Y encontrado un tamaño de cola óptimo en el mismo sentido. </a:t>
-            </a:r>
-          </a:p>
-          <a:p>
+              <a:t>oc</a:t>
+            </a:r>
             <a:endParaRPr lang="es-ES" dirty="0"/>
           </a:p>
         </p:txBody>
@@ -5939,6 +6559,18 @@
   <p:clrMapOvr>
     <a:masterClrMapping/>
   </p:clrMapOvr>
+  <mc:AlternateContent xmlns:mc="http://schemas.openxmlformats.org/markup-compatibility/2006">
+    <mc:Choice xmlns:p14="http://schemas.microsoft.com/office/powerpoint/2010/main" Requires="p14">
+      <p:transition spd="slow" p14:dur="1500">
+        <p:split orient="vert"/>
+      </p:transition>
+    </mc:Choice>
+    <mc:Fallback>
+      <p:transition spd="slow">
+        <p:split orient="vert"/>
+      </p:transition>
+    </mc:Fallback>
+  </mc:AlternateContent>
 </p:sld>
 </file>
 
@@ -6015,6 +6647,18 @@
   <p:clrMapOvr>
     <a:masterClrMapping/>
   </p:clrMapOvr>
+  <mc:AlternateContent xmlns:mc="http://schemas.openxmlformats.org/markup-compatibility/2006">
+    <mc:Choice xmlns:p14="http://schemas.microsoft.com/office/powerpoint/2010/main" Requires="p14">
+      <p:transition spd="slow" p14:dur="1500">
+        <p:split orient="vert"/>
+      </p:transition>
+    </mc:Choice>
+    <mc:Fallback>
+      <p:transition spd="slow">
+        <p:split orient="vert"/>
+      </p:transition>
+    </mc:Fallback>
+  </mc:AlternateContent>
 </p:sld>
 </file>
 
@@ -6091,6 +6735,18 @@
   <p:clrMapOvr>
     <a:masterClrMapping/>
   </p:clrMapOvr>
+  <mc:AlternateContent xmlns:mc="http://schemas.openxmlformats.org/markup-compatibility/2006">
+    <mc:Choice xmlns:p14="http://schemas.microsoft.com/office/powerpoint/2010/main" Requires="p14">
+      <p:transition spd="slow" p14:dur="1500">
+        <p:split orient="vert"/>
+      </p:transition>
+    </mc:Choice>
+    <mc:Fallback>
+      <p:transition spd="slow">
+        <p:split orient="vert"/>
+      </p:transition>
+    </mc:Fallback>
+  </mc:AlternateContent>
 </p:sld>
 </file>
 
@@ -6172,6 +6828,18 @@
   <p:clrMapOvr>
     <a:masterClrMapping/>
   </p:clrMapOvr>
+  <mc:AlternateContent xmlns:mc="http://schemas.openxmlformats.org/markup-compatibility/2006">
+    <mc:Choice xmlns:p14="http://schemas.microsoft.com/office/powerpoint/2010/main" Requires="p14">
+      <p:transition spd="slow" p14:dur="1500">
+        <p:split orient="vert"/>
+      </p:transition>
+    </mc:Choice>
+    <mc:Fallback>
+      <p:transition spd="slow">
+        <p:split orient="vert"/>
+      </p:transition>
+    </mc:Fallback>
+  </mc:AlternateContent>
 </p:sld>
 </file>
 
@@ -6650,7 +7318,7 @@
         </p:nvSpPr>
         <p:spPr>
           <a:xfrm>
-            <a:off x="7735301" y="3238649"/>
+            <a:off x="7347487" y="3247539"/>
             <a:ext cx="1408700" cy="2696307"/>
           </a:xfrm>
           <a:prstGeom prst="rect">
@@ -6919,6 +7587,54 @@
           </a:p>
         </p:txBody>
       </p:sp>
+      <p:pic>
+        <p:nvPicPr>
+          <p:cNvPr id="11" name="Imagen 10"/>
+          <p:cNvPicPr>
+            <a:picLocks noChangeAspect="1"/>
+          </p:cNvPicPr>
+          <p:nvPr/>
+        </p:nvPicPr>
+        <p:blipFill>
+          <a:blip r:embed="rId4"/>
+          <a:stretch>
+            <a:fillRect/>
+          </a:stretch>
+        </p:blipFill>
+        <p:spPr>
+          <a:xfrm rot="10800000">
+            <a:off x="2172575" y="4244172"/>
+            <a:ext cx="635550" cy="175324"/>
+          </a:xfrm>
+          <a:prstGeom prst="rect">
+            <a:avLst/>
+          </a:prstGeom>
+        </p:spPr>
+      </p:pic>
+      <p:pic>
+        <p:nvPicPr>
+          <p:cNvPr id="12" name="Imagen 11"/>
+          <p:cNvPicPr>
+            <a:picLocks noChangeAspect="1"/>
+          </p:cNvPicPr>
+          <p:nvPr/>
+        </p:nvPicPr>
+        <p:blipFill>
+          <a:blip r:embed="rId4"/>
+          <a:stretch>
+            <a:fillRect/>
+          </a:stretch>
+        </p:blipFill>
+        <p:spPr>
+          <a:xfrm rot="10800000">
+            <a:off x="6387916" y="4234044"/>
+            <a:ext cx="635550" cy="175324"/>
+          </a:xfrm>
+          <a:prstGeom prst="rect">
+            <a:avLst/>
+          </a:prstGeom>
+        </p:spPr>
+      </p:pic>
     </p:spTree>
     <p:extLst>
       <p:ext uri="{BB962C8B-B14F-4D97-AF65-F5344CB8AC3E}">
@@ -6929,6 +7645,18 @@
   <p:clrMapOvr>
     <a:masterClrMapping/>
   </p:clrMapOvr>
+  <mc:AlternateContent xmlns:mc="http://schemas.openxmlformats.org/markup-compatibility/2006">
+    <mc:Choice xmlns:p14="http://schemas.microsoft.com/office/powerpoint/2010/main" Requires="p14">
+      <p:transition spd="slow" p14:dur="1500">
+        <p:split orient="vert"/>
+      </p:transition>
+    </mc:Choice>
+    <mc:Fallback>
+      <p:transition spd="slow">
+        <p:split orient="vert"/>
+      </p:transition>
+    </mc:Fallback>
+  </mc:AlternateContent>
 </p:sld>
 </file>
 
@@ -6988,7 +7716,7 @@
           </a:bodyPr>
           <a:lstStyle/>
           <a:p>
-            <a:pPr>
+            <a:pPr algn="just">
               <a:buFont typeface="Wingdings" panose="05000000000000000000" pitchFamily="2" charset="2"/>
               <a:buChar char="§"/>
             </a:pPr>
@@ -7002,18 +7730,18 @@
             </a:r>
             <a:r>
               <a:rPr lang="es-ES" sz="2400" dirty="0"/>
-              <a:t> disponible en ns3.</a:t>
-            </a:r>
-          </a:p>
-          <a:p>
-            <a:pPr>
+              <a:t> disponible en ns3 v 3-26.</a:t>
+            </a:r>
+          </a:p>
+          <a:p>
+            <a:pPr algn="just">
               <a:buFont typeface="Wingdings" panose="05000000000000000000" pitchFamily="2" charset="2"/>
               <a:buChar char="§"/>
             </a:pPr>
             <a:endParaRPr lang="es-ES" sz="2400" dirty="0"/>
           </a:p>
           <a:p>
-            <a:pPr>
+            <a:pPr algn="just">
               <a:buFont typeface="Wingdings" panose="05000000000000000000" pitchFamily="2" charset="2"/>
               <a:buChar char="§"/>
             </a:pPr>
@@ -7023,14 +7751,14 @@
             </a:r>
           </a:p>
           <a:p>
-            <a:pPr>
+            <a:pPr algn="just">
               <a:buFont typeface="Wingdings" panose="05000000000000000000" pitchFamily="2" charset="2"/>
               <a:buChar char="§"/>
             </a:pPr>
             <a:endParaRPr lang="es-ES" sz="2400" dirty="0"/>
           </a:p>
           <a:p>
-            <a:pPr>
+            <a:pPr algn="just">
               <a:buFont typeface="Wingdings" panose="05000000000000000000" pitchFamily="2" charset="2"/>
               <a:buChar char="§"/>
             </a:pPr>
@@ -7064,6 +7792,18 @@
   <p:clrMapOvr>
     <a:masterClrMapping/>
   </p:clrMapOvr>
+  <mc:AlternateContent xmlns:mc="http://schemas.openxmlformats.org/markup-compatibility/2006">
+    <mc:Choice xmlns:p14="http://schemas.microsoft.com/office/powerpoint/2010/main" Requires="p14">
+      <p:transition spd="slow" p14:dur="1500">
+        <p:split orient="vert"/>
+      </p:transition>
+    </mc:Choice>
+    <mc:Fallback>
+      <p:transition spd="slow">
+        <p:split orient="vert"/>
+      </p:transition>
+    </mc:Fallback>
+  </mc:AlternateContent>
 </p:sld>
 </file>
 
@@ -7263,6 +8003,18 @@
   <p:clrMapOvr>
     <a:masterClrMapping/>
   </p:clrMapOvr>
+  <mc:AlternateContent xmlns:mc="http://schemas.openxmlformats.org/markup-compatibility/2006">
+    <mc:Choice xmlns:p14="http://schemas.microsoft.com/office/powerpoint/2010/main" Requires="p14">
+      <p:transition spd="slow" p14:dur="1500">
+        <p:split orient="vert"/>
+      </p:transition>
+    </mc:Choice>
+    <mc:Fallback>
+      <p:transition spd="slow">
+        <p:split orient="vert"/>
+      </p:transition>
+    </mc:Fallback>
+  </mc:AlternateContent>
 </p:sld>
 </file>
 

--- a/presentacion12.pptx
+++ b/presentacion12.pptx
@@ -16,10 +16,11 @@
     <p:sldId id="260" r:id="rId10"/>
     <p:sldId id="261" r:id="rId11"/>
     <p:sldId id="266" r:id="rId12"/>
-    <p:sldId id="263" r:id="rId13"/>
-    <p:sldId id="273" r:id="rId14"/>
-    <p:sldId id="265" r:id="rId15"/>
-    <p:sldId id="272" r:id="rId16"/>
+    <p:sldId id="274" r:id="rId13"/>
+    <p:sldId id="263" r:id="rId14"/>
+    <p:sldId id="273" r:id="rId15"/>
+    <p:sldId id="265" r:id="rId16"/>
+    <p:sldId id="272" r:id="rId17"/>
   </p:sldIdLst>
   <p:sldSz cx="9144000" cy="6858000" type="screen4x3"/>
   <p:notesSz cx="6858000" cy="9144000"/>
@@ -4243,13 +4244,13 @@
   <p:clrMapOvr>
     <a:masterClrMapping/>
   </p:clrMapOvr>
-  <mc:AlternateContent xmlns:mc="http://schemas.openxmlformats.org/markup-compatibility/2006">
-    <mc:Choice xmlns:p14="http://schemas.microsoft.com/office/powerpoint/2010/main" Requires="p14">
+  <mc:AlternateContent xmlns:mc="http://schemas.openxmlformats.org/markup-compatibility/2006" xmlns:p14="http://schemas.microsoft.com/office/powerpoint/2010/main">
+    <mc:Choice Requires="p14">
       <p:transition spd="med" p14:dur="700">
         <p:fade/>
       </p:transition>
     </mc:Choice>
-    <mc:Fallback>
+    <mc:Fallback xmlns="">
       <p:transition spd="med">
         <p:fade/>
       </p:transition>
@@ -4656,7 +4657,7 @@
         </p:nvGraphicFramePr>
         <p:xfrm>
           <a:off x="3390111" y="2617666"/>
-          <a:ext cx="5040824" cy="2360935"/>
+          <a:ext cx="5040824" cy="2371032"/>
         </p:xfrm>
         <a:graphic>
           <a:graphicData uri="http://schemas.openxmlformats.org/drawingml/2006/table">
@@ -4668,28 +4669,28 @@
                 <a:gridCol w="1266523">
                   <a:extLst>
                     <a:ext uri="{9D8B030D-6E8A-4147-A177-3AD203B41FA5}">
-                      <a16:colId xmlns:a16="http://schemas.microsoft.com/office/drawing/2014/main" val="3718611680"/>
+                      <a16:colId xmlns:a16="http://schemas.microsoft.com/office/drawing/2014/main" xmlns="" val="3718611680"/>
                     </a:ext>
                   </a:extLst>
                 </a:gridCol>
                 <a:gridCol w="1361801">
                   <a:extLst>
                     <a:ext uri="{9D8B030D-6E8A-4147-A177-3AD203B41FA5}">
-                      <a16:colId xmlns:a16="http://schemas.microsoft.com/office/drawing/2014/main" val="892523437"/>
+                      <a16:colId xmlns:a16="http://schemas.microsoft.com/office/drawing/2014/main" xmlns="" val="892523437"/>
                     </a:ext>
                   </a:extLst>
                 </a:gridCol>
                 <a:gridCol w="1288632">
                   <a:extLst>
                     <a:ext uri="{9D8B030D-6E8A-4147-A177-3AD203B41FA5}">
-                      <a16:colId xmlns:a16="http://schemas.microsoft.com/office/drawing/2014/main" val="715461933"/>
+                      <a16:colId xmlns:a16="http://schemas.microsoft.com/office/drawing/2014/main" xmlns="" val="715461933"/>
                     </a:ext>
                   </a:extLst>
                 </a:gridCol>
                 <a:gridCol w="1123868">
                   <a:extLst>
                     <a:ext uri="{9D8B030D-6E8A-4147-A177-3AD203B41FA5}">
-                      <a16:colId xmlns:a16="http://schemas.microsoft.com/office/drawing/2014/main" val="1365195669"/>
+                      <a16:colId xmlns:a16="http://schemas.microsoft.com/office/drawing/2014/main" xmlns="" val="1365195669"/>
                     </a:ext>
                   </a:extLst>
                 </a:gridCol>
@@ -4813,7 +4814,7 @@
                 </a:tc>
                 <a:extLst>
                   <a:ext uri="{0D108BD9-81ED-4DB2-BD59-A6C34878D82A}">
-                    <a16:rowId xmlns:a16="http://schemas.microsoft.com/office/drawing/2014/main" val="4080200008"/>
+                    <a16:rowId xmlns:a16="http://schemas.microsoft.com/office/drawing/2014/main" xmlns="" val="4080200008"/>
                   </a:ext>
                 </a:extLst>
               </a:tr>
@@ -4979,7 +4980,7 @@
                 </a:tc>
                 <a:extLst>
                   <a:ext uri="{0D108BD9-81ED-4DB2-BD59-A6C34878D82A}">
-                    <a16:rowId xmlns:a16="http://schemas.microsoft.com/office/drawing/2014/main" val="1141031084"/>
+                    <a16:rowId xmlns:a16="http://schemas.microsoft.com/office/drawing/2014/main" xmlns="" val="1141031084"/>
                   </a:ext>
                 </a:extLst>
               </a:tr>
@@ -5108,7 +5109,7 @@
                 </a:tc>
                 <a:extLst>
                   <a:ext uri="{0D108BD9-81ED-4DB2-BD59-A6C34878D82A}">
-                    <a16:rowId xmlns:a16="http://schemas.microsoft.com/office/drawing/2014/main" val="3116899240"/>
+                    <a16:rowId xmlns:a16="http://schemas.microsoft.com/office/drawing/2014/main" xmlns="" val="3116899240"/>
                   </a:ext>
                 </a:extLst>
               </a:tr>
@@ -5231,7 +5232,7 @@
                 </a:tc>
                 <a:extLst>
                   <a:ext uri="{0D108BD9-81ED-4DB2-BD59-A6C34878D82A}">
-                    <a16:rowId xmlns:a16="http://schemas.microsoft.com/office/drawing/2014/main" val="547111778"/>
+                    <a16:rowId xmlns:a16="http://schemas.microsoft.com/office/drawing/2014/main" xmlns="" val="547111778"/>
                   </a:ext>
                 </a:extLst>
               </a:tr>
@@ -5291,25 +5292,35 @@
           </a:p>
         </p:txBody>
       </p:sp>
-      <p:sp>
-        <p:nvSpPr>
-          <p:cNvPr id="3" name="Marcador de contenido 2"/>
-          <p:cNvSpPr>
-            <a:spLocks noGrp="1"/>
-          </p:cNvSpPr>
+      <p:pic>
+        <p:nvPicPr>
+          <p:cNvPr id="4" name="Marcador de contenido 3"/>
+          <p:cNvPicPr>
+            <a:picLocks noGrp="1" noChangeAspect="1"/>
+          </p:cNvPicPr>
           <p:nvPr>
             <p:ph idx="1"/>
           </p:nvPr>
-        </p:nvSpPr>
-        <p:spPr/>
-        <p:txBody>
-          <a:bodyPr/>
-          <a:lstStyle/>
-          <a:p>
-            <a:endParaRPr lang="es-ES"/>
-          </a:p>
-        </p:txBody>
-      </p:sp>
+        </p:nvPicPr>
+        <p:blipFill>
+          <a:blip r:embed="rId2">
+            <a:extLst>
+              <a:ext uri="{28A0092B-C50C-407E-A947-70E740481C1C}">
+                <a14:useLocalDpi xmlns:a14="http://schemas.microsoft.com/office/drawing/2010/main" val="0"/>
+              </a:ext>
+            </a:extLst>
+          </a:blip>
+          <a:stretch>
+            <a:fillRect/>
+          </a:stretch>
+        </p:blipFill>
+        <p:spPr>
+          <a:xfrm>
+            <a:off x="1016729" y="1846263"/>
+            <a:ext cx="7154991" cy="4022725"/>
+          </a:xfrm>
+        </p:spPr>
+      </p:pic>
     </p:spTree>
     <p:extLst>
       <p:ext uri="{BB962C8B-B14F-4D97-AF65-F5344CB8AC3E}">
@@ -5357,6 +5368,87 @@
           <a:p>
             <a:r>
               <a:rPr lang="es-ES" dirty="0"/>
+              <a:t>Simulación</a:t>
+            </a:r>
+          </a:p>
+        </p:txBody>
+      </p:sp>
+      <p:pic>
+        <p:nvPicPr>
+          <p:cNvPr id="4" name="Marcador de contenido 3"/>
+          <p:cNvPicPr>
+            <a:picLocks noGrp="1" noChangeAspect="1"/>
+          </p:cNvPicPr>
+          <p:nvPr>
+            <p:ph idx="1"/>
+          </p:nvPr>
+        </p:nvPicPr>
+        <p:blipFill>
+          <a:blip r:embed="rId2">
+            <a:extLst>
+              <a:ext uri="{28A0092B-C50C-407E-A947-70E740481C1C}">
+                <a14:useLocalDpi xmlns:a14="http://schemas.microsoft.com/office/drawing/2010/main" val="0"/>
+              </a:ext>
+            </a:extLst>
+          </a:blip>
+          <a:stretch>
+            <a:fillRect/>
+          </a:stretch>
+        </p:blipFill>
+        <p:spPr>
+          <a:xfrm>
+            <a:off x="1016729" y="1846263"/>
+            <a:ext cx="7154991" cy="4022725"/>
+          </a:xfrm>
+        </p:spPr>
+      </p:pic>
+    </p:spTree>
+    <p:extLst>
+      <p:ext uri="{BB962C8B-B14F-4D97-AF65-F5344CB8AC3E}">
+        <p14:creationId xmlns:p14="http://schemas.microsoft.com/office/powerpoint/2010/main" val="241329384"/>
+      </p:ext>
+    </p:extLst>
+  </p:cSld>
+  <p:clrMapOvr>
+    <a:masterClrMapping/>
+  </p:clrMapOvr>
+</p:sld>
+</file>
+
+<file path=ppt/slides/slide13.xml><?xml version="1.0" encoding="utf-8"?>
+<p:sld xmlns:a="http://schemas.openxmlformats.org/drawingml/2006/main" xmlns:r="http://schemas.openxmlformats.org/officeDocument/2006/relationships" xmlns:p="http://schemas.openxmlformats.org/presentationml/2006/main">
+  <p:cSld>
+    <p:spTree>
+      <p:nvGrpSpPr>
+        <p:cNvPr id="1" name=""/>
+        <p:cNvGrpSpPr/>
+        <p:nvPr/>
+      </p:nvGrpSpPr>
+      <p:grpSpPr>
+        <a:xfrm>
+          <a:off x="0" y="0"/>
+          <a:ext cx="0" cy="0"/>
+          <a:chOff x="0" y="0"/>
+          <a:chExt cx="0" cy="0"/>
+        </a:xfrm>
+      </p:grpSpPr>
+      <p:sp>
+        <p:nvSpPr>
+          <p:cNvPr id="2" name="Título 1"/>
+          <p:cNvSpPr>
+            <a:spLocks noGrp="1"/>
+          </p:cNvSpPr>
+          <p:nvPr>
+            <p:ph type="title"/>
+          </p:nvPr>
+        </p:nvSpPr>
+        <p:spPr/>
+        <p:txBody>
+          <a:bodyPr/>
+          <a:lstStyle/>
+          <a:p>
+            <a:r>
+              <a:rPr lang="es-ES" dirty="0"/>
               <a:t>Validez de los resultados</a:t>
             </a:r>
           </a:p>
@@ -5683,7 +5775,7 @@
 </p:sld>
 </file>
 
-<file path=ppt/slides/slide13.xml><?xml version="1.0" encoding="utf-8"?>
+<file path=ppt/slides/slide14.xml><?xml version="1.0" encoding="utf-8"?>
 <p:sld xmlns:a="http://schemas.openxmlformats.org/drawingml/2006/main" xmlns:r="http://schemas.openxmlformats.org/officeDocument/2006/relationships" xmlns:p="http://schemas.openxmlformats.org/presentationml/2006/main">
   <p:cSld>
     <p:spTree>
@@ -5795,118 +5887,6 @@
 </p:sld>
 </file>
 
-<file path=ppt/slides/slide14.xml><?xml version="1.0" encoding="utf-8"?>
-<p:sld xmlns:a="http://schemas.openxmlformats.org/drawingml/2006/main" xmlns:r="http://schemas.openxmlformats.org/officeDocument/2006/relationships" xmlns:p="http://schemas.openxmlformats.org/presentationml/2006/main">
-  <p:cSld>
-    <p:spTree>
-      <p:nvGrpSpPr>
-        <p:cNvPr id="1" name=""/>
-        <p:cNvGrpSpPr/>
-        <p:nvPr/>
-      </p:nvGrpSpPr>
-      <p:grpSpPr>
-        <a:xfrm>
-          <a:off x="0" y="0"/>
-          <a:ext cx="0" cy="0"/>
-          <a:chOff x="0" y="0"/>
-          <a:chExt cx="0" cy="0"/>
-        </a:xfrm>
-      </p:grpSpPr>
-      <p:sp>
-        <p:nvSpPr>
-          <p:cNvPr id="2" name="Título 1"/>
-          <p:cNvSpPr>
-            <a:spLocks noGrp="1"/>
-          </p:cNvSpPr>
-          <p:nvPr>
-            <p:ph type="title"/>
-          </p:nvPr>
-        </p:nvSpPr>
-        <p:spPr/>
-        <p:txBody>
-          <a:bodyPr/>
-          <a:lstStyle/>
-          <a:p>
-            <a:r>
-              <a:rPr lang="es-ES" dirty="0"/>
-              <a:t>Conclusiones</a:t>
-            </a:r>
-          </a:p>
-        </p:txBody>
-      </p:sp>
-      <p:sp>
-        <p:nvSpPr>
-          <p:cNvPr id="3" name="Marcador de contenido 2"/>
-          <p:cNvSpPr>
-            <a:spLocks noGrp="1"/>
-          </p:cNvSpPr>
-          <p:nvPr>
-            <p:ph idx="1"/>
-          </p:nvPr>
-        </p:nvSpPr>
-        <p:spPr/>
-        <p:txBody>
-          <a:bodyPr/>
-          <a:lstStyle/>
-          <a:p>
-            <a:endParaRPr lang="es-ES" dirty="0"/>
-          </a:p>
-          <a:p>
-            <a:endParaRPr lang="es-ES" dirty="0"/>
-          </a:p>
-        </p:txBody>
-      </p:sp>
-      <p:sp>
-        <p:nvSpPr>
-          <p:cNvPr id="4" name="CuadroTexto 3"/>
-          <p:cNvSpPr txBox="1"/>
-          <p:nvPr/>
-        </p:nvSpPr>
-        <p:spPr>
-          <a:xfrm>
-            <a:off x="1048624" y="2256639"/>
-            <a:ext cx="7318136" cy="646331"/>
-          </a:xfrm>
-          <a:prstGeom prst="rect">
-            <a:avLst/>
-          </a:prstGeom>
-          <a:noFill/>
-        </p:spPr>
-        <p:txBody>
-          <a:bodyPr wrap="square" rtlCol="0">
-            <a:spAutoFit/>
-          </a:bodyPr>
-          <a:lstStyle/>
-          <a:p>
-            <a:pPr marL="285750" indent="-285750">
-              <a:buFont typeface="Arial" panose="020B0604020202020204" pitchFamily="34" charset="0"/>
-              <a:buChar char="•"/>
-            </a:pPr>
-            <a:r>
-              <a:rPr lang="es-ES" dirty="0"/>
-              <a:t>El tamaño de cola debe ser suficientemente grande para que el tráfico prioritario no </a:t>
-            </a:r>
-            <a:r>
-              <a:rPr lang="es-ES" dirty="0" err="1"/>
-              <a:t>oc</a:t>
-            </a:r>
-            <a:endParaRPr lang="es-ES" dirty="0"/>
-          </a:p>
-        </p:txBody>
-      </p:sp>
-    </p:spTree>
-    <p:extLst>
-      <p:ext uri="{BB962C8B-B14F-4D97-AF65-F5344CB8AC3E}">
-        <p14:creationId xmlns:p14="http://schemas.microsoft.com/office/powerpoint/2010/main" val="4035578255"/>
-      </p:ext>
-    </p:extLst>
-  </p:cSld>
-  <p:clrMapOvr>
-    <a:masterClrMapping/>
-  </p:clrMapOvr>
-</p:sld>
-</file>
-
 <file path=ppt/slides/slide15.xml><?xml version="1.0" encoding="utf-8"?>
 <p:sld xmlns:a="http://schemas.openxmlformats.org/drawingml/2006/main" xmlns:r="http://schemas.openxmlformats.org/officeDocument/2006/relationships" xmlns:p="http://schemas.openxmlformats.org/presentationml/2006/main">
   <p:cSld>
@@ -5926,6 +5906,159 @@
       </p:grpSpPr>
       <p:sp>
         <p:nvSpPr>
+          <p:cNvPr id="2" name="Título 1"/>
+          <p:cNvSpPr>
+            <a:spLocks noGrp="1"/>
+          </p:cNvSpPr>
+          <p:nvPr>
+            <p:ph type="title"/>
+          </p:nvPr>
+        </p:nvSpPr>
+        <p:spPr/>
+        <p:txBody>
+          <a:bodyPr/>
+          <a:lstStyle/>
+          <a:p>
+            <a:r>
+              <a:rPr lang="es-ES" dirty="0"/>
+              <a:t>Conclusiones</a:t>
+            </a:r>
+          </a:p>
+        </p:txBody>
+      </p:sp>
+      <p:sp>
+        <p:nvSpPr>
+          <p:cNvPr id="3" name="Marcador de contenido 2"/>
+          <p:cNvSpPr>
+            <a:spLocks noGrp="1"/>
+          </p:cNvSpPr>
+          <p:nvPr>
+            <p:ph idx="1"/>
+          </p:nvPr>
+        </p:nvSpPr>
+        <p:spPr/>
+        <p:txBody>
+          <a:bodyPr/>
+          <a:lstStyle/>
+          <a:p>
+            <a:endParaRPr lang="es-ES" dirty="0"/>
+          </a:p>
+          <a:p>
+            <a:endParaRPr lang="es-ES" dirty="0"/>
+          </a:p>
+        </p:txBody>
+      </p:sp>
+      <p:sp>
+        <p:nvSpPr>
+          <p:cNvPr id="4" name="CuadroTexto 3"/>
+          <p:cNvSpPr txBox="1"/>
+          <p:nvPr/>
+        </p:nvSpPr>
+        <p:spPr>
+          <a:xfrm>
+            <a:off x="1048624" y="2256639"/>
+            <a:ext cx="7318136" cy="2308324"/>
+          </a:xfrm>
+          <a:prstGeom prst="rect">
+            <a:avLst/>
+          </a:prstGeom>
+          <a:noFill/>
+        </p:spPr>
+        <p:txBody>
+          <a:bodyPr wrap="square" rtlCol="0">
+            <a:spAutoFit/>
+          </a:bodyPr>
+          <a:lstStyle/>
+          <a:p>
+            <a:pPr marL="285750" indent="-285750">
+              <a:buFont typeface="Arial" panose="020B0604020202020204" pitchFamily="34" charset="0"/>
+              <a:buChar char="•"/>
+            </a:pPr>
+            <a:r>
+              <a:rPr lang="es-ES" dirty="0"/>
+              <a:t>El tamaño de cola debe ser suficientemente grande para que el tráfico prioritario no </a:t>
+            </a:r>
+            <a:r>
+              <a:rPr lang="es-ES" dirty="0" smtClean="0"/>
+              <a:t>desborde</a:t>
+            </a:r>
+          </a:p>
+          <a:p>
+            <a:pPr marL="285750" indent="-285750">
+              <a:buFont typeface="Arial" panose="020B0604020202020204" pitchFamily="34" charset="0"/>
+              <a:buChar char="•"/>
+            </a:pPr>
+            <a:endParaRPr lang="es-ES" dirty="0"/>
+          </a:p>
+          <a:p>
+            <a:pPr marL="285750" indent="-285750">
+              <a:buFont typeface="Arial" panose="020B0604020202020204" pitchFamily="34" charset="0"/>
+              <a:buChar char="•"/>
+            </a:pPr>
+            <a:r>
+              <a:rPr lang="es-ES" dirty="0" smtClean="0"/>
+              <a:t>El tráfico más prioritario tiene ventajas en la cola por lo que su % de paquetes perdidos es menor </a:t>
+            </a:r>
+          </a:p>
+          <a:p>
+            <a:pPr marL="285750" indent="-285750">
+              <a:buFont typeface="Arial" panose="020B0604020202020204" pitchFamily="34" charset="0"/>
+              <a:buChar char="•"/>
+            </a:pPr>
+            <a:endParaRPr lang="es-ES" dirty="0" smtClean="0"/>
+          </a:p>
+          <a:p>
+            <a:pPr marL="285750" indent="-285750">
+              <a:buFont typeface="Arial" panose="020B0604020202020204" pitchFamily="34" charset="0"/>
+              <a:buChar char="•"/>
+            </a:pPr>
+            <a:r>
+              <a:rPr lang="es-ES" dirty="0" smtClean="0"/>
+              <a:t>La posibilidad de asignar prioridades al tráfico según tu topología de red te da una herramienta potente para asegurar la </a:t>
+            </a:r>
+            <a:r>
+              <a:rPr lang="es-ES" dirty="0" err="1" smtClean="0"/>
+              <a:t>QoS</a:t>
+            </a:r>
+            <a:r>
+              <a:rPr lang="es-ES" dirty="0" smtClean="0"/>
+              <a:t> necesaria</a:t>
+            </a:r>
+          </a:p>
+        </p:txBody>
+      </p:sp>
+    </p:spTree>
+    <p:extLst>
+      <p:ext uri="{BB962C8B-B14F-4D97-AF65-F5344CB8AC3E}">
+        <p14:creationId xmlns:p14="http://schemas.microsoft.com/office/powerpoint/2010/main" val="4035578255"/>
+      </p:ext>
+    </p:extLst>
+  </p:cSld>
+  <p:clrMapOvr>
+    <a:masterClrMapping/>
+  </p:clrMapOvr>
+</p:sld>
+</file>
+
+<file path=ppt/slides/slide16.xml><?xml version="1.0" encoding="utf-8"?>
+<p:sld xmlns:a="http://schemas.openxmlformats.org/drawingml/2006/main" xmlns:r="http://schemas.openxmlformats.org/officeDocument/2006/relationships" xmlns:p="http://schemas.openxmlformats.org/presentationml/2006/main">
+  <p:cSld>
+    <p:spTree>
+      <p:nvGrpSpPr>
+        <p:cNvPr id="1" name=""/>
+        <p:cNvGrpSpPr/>
+        <p:nvPr/>
+      </p:nvGrpSpPr>
+      <p:grpSpPr>
+        <a:xfrm>
+          <a:off x="0" y="0"/>
+          <a:ext cx="0" cy="0"/>
+          <a:chOff x="0" y="0"/>
+          <a:chExt cx="0" cy="0"/>
+        </a:xfrm>
+      </p:grpSpPr>
+      <p:sp>
+        <p:nvSpPr>
           <p:cNvPr id="6" name="Rectangle 5"/>
           <p:cNvSpPr>
             <a:spLocks noGrp="1" noRot="1" noChangeAspect="1" noMove="1" noResize="1" noEditPoints="1" noAdjustHandles="1" noChangeArrowheads="1" noChangeShapeType="1" noTextEdit="1"/>
@@ -5933,7 +6066,7 @@
           <p:nvPr>
             <p:extLst>
               <p:ext uri="{386F3935-93C4-4BCD-93E2-E3B085C9AB24}">
-                <p16:designElem xmlns:p16="http://schemas.microsoft.com/office/powerpoint/2015/main" val="1"/>
+                <p16:designElem xmlns:p16="http://schemas.microsoft.com/office/powerpoint/2015/main" xmlns="" val="1"/>
               </p:ext>
             </p:extLst>
           </p:nvPr>
@@ -5964,7 +6097,7 @@
           <p:nvPr>
             <p:extLst>
               <p:ext uri="{386F3935-93C4-4BCD-93E2-E3B085C9AB24}">
-                <p16:designElem xmlns:p16="http://schemas.microsoft.com/office/powerpoint/2015/main" val="1"/>
+                <p16:designElem xmlns:p16="http://schemas.microsoft.com/office/powerpoint/2015/main" xmlns="" val="1"/>
               </p:ext>
             </p:extLst>
           </p:nvPr>
@@ -6010,7 +6143,7 @@
           <p:nvPr>
             <p:extLst>
               <p:ext uri="{386F3935-93C4-4BCD-93E2-E3B085C9AB24}">
-                <p16:designElem xmlns:p16="http://schemas.microsoft.com/office/powerpoint/2015/main" val="1"/>
+                <p16:designElem xmlns:p16="http://schemas.microsoft.com/office/powerpoint/2015/main" xmlns="" val="1"/>
               </p:ext>
             </p:extLst>
           </p:nvPr>
@@ -6056,7 +6189,7 @@
           <p:nvPr>
             <p:extLst>
               <p:ext uri="{386F3935-93C4-4BCD-93E2-E3B085C9AB24}">
-                <p16:designElem xmlns:p16="http://schemas.microsoft.com/office/powerpoint/2015/main" val="1"/>
+                <p16:designElem xmlns:p16="http://schemas.microsoft.com/office/powerpoint/2015/main" xmlns="" val="1"/>
               </p:ext>
             </p:extLst>
           </p:nvPr>
@@ -6102,7 +6235,7 @@
           <p:nvPr>
             <p:extLst>
               <p:ext uri="{386F3935-93C4-4BCD-93E2-E3B085C9AB24}">
-                <p16:designElem xmlns:p16="http://schemas.microsoft.com/office/powerpoint/2015/main" val="1"/>
+                <p16:designElem xmlns:p16="http://schemas.microsoft.com/office/powerpoint/2015/main" xmlns="" val="1"/>
               </p:ext>
             </p:extLst>
           </p:nvPr>
@@ -6153,7 +6286,7 @@
           <p:nvPr>
             <p:extLst>
               <p:ext uri="{386F3935-93C4-4BCD-93E2-E3B085C9AB24}">
-                <p16:designElem xmlns:p16="http://schemas.microsoft.com/office/powerpoint/2015/main" val="1"/>
+                <p16:designElem xmlns:p16="http://schemas.microsoft.com/office/powerpoint/2015/main" xmlns="" val="1"/>
               </p:ext>
             </p:extLst>
           </p:nvPr>
@@ -6199,7 +6332,7 @@
           <p:nvPr>
             <p:extLst>
               <p:ext uri="{386F3935-93C4-4BCD-93E2-E3B085C9AB24}">
-                <p16:designElem xmlns:p16="http://schemas.microsoft.com/office/powerpoint/2015/main" val="1"/>
+                <p16:designElem xmlns:p16="http://schemas.microsoft.com/office/powerpoint/2015/main" xmlns="" val="1"/>
               </p:ext>
             </p:extLst>
           </p:nvPr>
@@ -6245,7 +6378,7 @@
           <p:nvPr>
             <p:extLst>
               <p:ext uri="{386F3935-93C4-4BCD-93E2-E3B085C9AB24}">
-                <p16:designElem xmlns:p16="http://schemas.microsoft.com/office/powerpoint/2015/main" val="1"/>
+                <p16:designElem xmlns:p16="http://schemas.microsoft.com/office/powerpoint/2015/main" xmlns="" val="1"/>
               </p:ext>
             </p:extLst>
           </p:nvPr>
@@ -6559,13 +6692,13 @@
   <p:clrMapOvr>
     <a:masterClrMapping/>
   </p:clrMapOvr>
-  <mc:AlternateContent xmlns:mc="http://schemas.openxmlformats.org/markup-compatibility/2006">
-    <mc:Choice xmlns:p14="http://schemas.microsoft.com/office/powerpoint/2010/main" Requires="p14">
+  <mc:AlternateContent xmlns:mc="http://schemas.openxmlformats.org/markup-compatibility/2006" xmlns:p14="http://schemas.microsoft.com/office/powerpoint/2010/main">
+    <mc:Choice Requires="p14">
       <p:transition spd="slow" p14:dur="1500">
         <p:split orient="vert"/>
       </p:transition>
     </mc:Choice>
-    <mc:Fallback>
+    <mc:Fallback xmlns="">
       <p:transition spd="slow">
         <p:split orient="vert"/>
       </p:transition>
@@ -6647,13 +6780,13 @@
   <p:clrMapOvr>
     <a:masterClrMapping/>
   </p:clrMapOvr>
-  <mc:AlternateContent xmlns:mc="http://schemas.openxmlformats.org/markup-compatibility/2006">
-    <mc:Choice xmlns:p14="http://schemas.microsoft.com/office/powerpoint/2010/main" Requires="p14">
+  <mc:AlternateContent xmlns:mc="http://schemas.openxmlformats.org/markup-compatibility/2006" xmlns:p14="http://schemas.microsoft.com/office/powerpoint/2010/main">
+    <mc:Choice Requires="p14">
       <p:transition spd="slow" p14:dur="1500">
         <p:split orient="vert"/>
       </p:transition>
     </mc:Choice>
-    <mc:Fallback>
+    <mc:Fallback xmlns="">
       <p:transition spd="slow">
         <p:split orient="vert"/>
       </p:transition>
@@ -6735,13 +6868,13 @@
   <p:clrMapOvr>
     <a:masterClrMapping/>
   </p:clrMapOvr>
-  <mc:AlternateContent xmlns:mc="http://schemas.openxmlformats.org/markup-compatibility/2006">
-    <mc:Choice xmlns:p14="http://schemas.microsoft.com/office/powerpoint/2010/main" Requires="p14">
+  <mc:AlternateContent xmlns:mc="http://schemas.openxmlformats.org/markup-compatibility/2006" xmlns:p14="http://schemas.microsoft.com/office/powerpoint/2010/main">
+    <mc:Choice Requires="p14">
       <p:transition spd="slow" p14:dur="1500">
         <p:split orient="vert"/>
       </p:transition>
     </mc:Choice>
-    <mc:Fallback>
+    <mc:Fallback xmlns="">
       <p:transition spd="slow">
         <p:split orient="vert"/>
       </p:transition>
@@ -6828,13 +6961,13 @@
   <p:clrMapOvr>
     <a:masterClrMapping/>
   </p:clrMapOvr>
-  <mc:AlternateContent xmlns:mc="http://schemas.openxmlformats.org/markup-compatibility/2006">
-    <mc:Choice xmlns:p14="http://schemas.microsoft.com/office/powerpoint/2010/main" Requires="p14">
+  <mc:AlternateContent xmlns:mc="http://schemas.openxmlformats.org/markup-compatibility/2006" xmlns:p14="http://schemas.microsoft.com/office/powerpoint/2010/main">
+    <mc:Choice Requires="p14">
       <p:transition spd="slow" p14:dur="1500">
         <p:split orient="vert"/>
       </p:transition>
     </mc:Choice>
-    <mc:Fallback>
+    <mc:Fallback xmlns="">
       <p:transition spd="slow">
         <p:split orient="vert"/>
       </p:transition>
@@ -7645,13 +7778,13 @@
   <p:clrMapOvr>
     <a:masterClrMapping/>
   </p:clrMapOvr>
-  <mc:AlternateContent xmlns:mc="http://schemas.openxmlformats.org/markup-compatibility/2006">
-    <mc:Choice xmlns:p14="http://schemas.microsoft.com/office/powerpoint/2010/main" Requires="p14">
+  <mc:AlternateContent xmlns:mc="http://schemas.openxmlformats.org/markup-compatibility/2006" xmlns:p14="http://schemas.microsoft.com/office/powerpoint/2010/main">
+    <mc:Choice Requires="p14">
       <p:transition spd="slow" p14:dur="1500">
         <p:split orient="vert"/>
       </p:transition>
     </mc:Choice>
-    <mc:Fallback>
+    <mc:Fallback xmlns="">
       <p:transition spd="slow">
         <p:split orient="vert"/>
       </p:transition>
@@ -7792,13 +7925,13 @@
   <p:clrMapOvr>
     <a:masterClrMapping/>
   </p:clrMapOvr>
-  <mc:AlternateContent xmlns:mc="http://schemas.openxmlformats.org/markup-compatibility/2006">
-    <mc:Choice xmlns:p14="http://schemas.microsoft.com/office/powerpoint/2010/main" Requires="p14">
+  <mc:AlternateContent xmlns:mc="http://schemas.openxmlformats.org/markup-compatibility/2006" xmlns:p14="http://schemas.microsoft.com/office/powerpoint/2010/main">
+    <mc:Choice Requires="p14">
       <p:transition spd="slow" p14:dur="1500">
         <p:split orient="vert"/>
       </p:transition>
     </mc:Choice>
-    <mc:Fallback>
+    <mc:Fallback xmlns="">
       <p:transition spd="slow">
         <p:split orient="vert"/>
       </p:transition>
@@ -8003,13 +8136,13 @@
   <p:clrMapOvr>
     <a:masterClrMapping/>
   </p:clrMapOvr>
-  <mc:AlternateContent xmlns:mc="http://schemas.openxmlformats.org/markup-compatibility/2006">
-    <mc:Choice xmlns:p14="http://schemas.microsoft.com/office/powerpoint/2010/main" Requires="p14">
+  <mc:AlternateContent xmlns:mc="http://schemas.openxmlformats.org/markup-compatibility/2006" xmlns:p14="http://schemas.microsoft.com/office/powerpoint/2010/main">
+    <mc:Choice Requires="p14">
       <p:transition spd="slow" p14:dur="1500">
         <p:split orient="vert"/>
       </p:transition>
     </mc:Choice>
-    <mc:Fallback>
+    <mc:Fallback xmlns="">
       <p:transition spd="slow">
         <p:split orient="vert"/>
       </p:transition>
